--- a/JBNU_Statistics_Ph.D/Ph.D dissertation/학위논문심사/학위논문작성/kernel ridge regression with censoring data/그림/그림3.pptx
+++ b/JBNU_Statistics_Ph.D/Ph.D dissertation/학위논문심사/학위논문작성/kernel ridge regression with censoring data/그림/그림3.pptx
@@ -243,7 +243,7 @@
           <a:p>
             <a:fld id="{B0D44428-6A9F-40D1-A27D-D805992CA982}" type="datetimeFigureOut">
               <a:rPr lang="ko-KR" altLang="en-US" smtClean="0"/>
-              <a:t>2021-10-31</a:t>
+              <a:t>2021-12-07</a:t>
             </a:fld>
             <a:endParaRPr lang="ko-KR" altLang="en-US"/>
           </a:p>
@@ -413,7 +413,7 @@
           <a:p>
             <a:fld id="{B0D44428-6A9F-40D1-A27D-D805992CA982}" type="datetimeFigureOut">
               <a:rPr lang="ko-KR" altLang="en-US" smtClean="0"/>
-              <a:t>2021-10-31</a:t>
+              <a:t>2021-12-07</a:t>
             </a:fld>
             <a:endParaRPr lang="ko-KR" altLang="en-US"/>
           </a:p>
@@ -593,7 +593,7 @@
           <a:p>
             <a:fld id="{B0D44428-6A9F-40D1-A27D-D805992CA982}" type="datetimeFigureOut">
               <a:rPr lang="ko-KR" altLang="en-US" smtClean="0"/>
-              <a:t>2021-10-31</a:t>
+              <a:t>2021-12-07</a:t>
             </a:fld>
             <a:endParaRPr lang="ko-KR" altLang="en-US"/>
           </a:p>
@@ -763,7 +763,7 @@
           <a:p>
             <a:fld id="{B0D44428-6A9F-40D1-A27D-D805992CA982}" type="datetimeFigureOut">
               <a:rPr lang="ko-KR" altLang="en-US" smtClean="0"/>
-              <a:t>2021-10-31</a:t>
+              <a:t>2021-12-07</a:t>
             </a:fld>
             <a:endParaRPr lang="ko-KR" altLang="en-US"/>
           </a:p>
@@ -1009,7 +1009,7 @@
           <a:p>
             <a:fld id="{B0D44428-6A9F-40D1-A27D-D805992CA982}" type="datetimeFigureOut">
               <a:rPr lang="ko-KR" altLang="en-US" smtClean="0"/>
-              <a:t>2021-10-31</a:t>
+              <a:t>2021-12-07</a:t>
             </a:fld>
             <a:endParaRPr lang="ko-KR" altLang="en-US"/>
           </a:p>
@@ -1241,7 +1241,7 @@
           <a:p>
             <a:fld id="{B0D44428-6A9F-40D1-A27D-D805992CA982}" type="datetimeFigureOut">
               <a:rPr lang="ko-KR" altLang="en-US" smtClean="0"/>
-              <a:t>2021-10-31</a:t>
+              <a:t>2021-12-07</a:t>
             </a:fld>
             <a:endParaRPr lang="ko-KR" altLang="en-US"/>
           </a:p>
@@ -1608,7 +1608,7 @@
           <a:p>
             <a:fld id="{B0D44428-6A9F-40D1-A27D-D805992CA982}" type="datetimeFigureOut">
               <a:rPr lang="ko-KR" altLang="en-US" smtClean="0"/>
-              <a:t>2021-10-31</a:t>
+              <a:t>2021-12-07</a:t>
             </a:fld>
             <a:endParaRPr lang="ko-KR" altLang="en-US"/>
           </a:p>
@@ -1726,7 +1726,7 @@
           <a:p>
             <a:fld id="{B0D44428-6A9F-40D1-A27D-D805992CA982}" type="datetimeFigureOut">
               <a:rPr lang="ko-KR" altLang="en-US" smtClean="0"/>
-              <a:t>2021-10-31</a:t>
+              <a:t>2021-12-07</a:t>
             </a:fld>
             <a:endParaRPr lang="ko-KR" altLang="en-US"/>
           </a:p>
@@ -1821,7 +1821,7 @@
           <a:p>
             <a:fld id="{B0D44428-6A9F-40D1-A27D-D805992CA982}" type="datetimeFigureOut">
               <a:rPr lang="ko-KR" altLang="en-US" smtClean="0"/>
-              <a:t>2021-10-31</a:t>
+              <a:t>2021-12-07</a:t>
             </a:fld>
             <a:endParaRPr lang="ko-KR" altLang="en-US"/>
           </a:p>
@@ -2098,7 +2098,7 @@
           <a:p>
             <a:fld id="{B0D44428-6A9F-40D1-A27D-D805992CA982}" type="datetimeFigureOut">
               <a:rPr lang="ko-KR" altLang="en-US" smtClean="0"/>
-              <a:t>2021-10-31</a:t>
+              <a:t>2021-12-07</a:t>
             </a:fld>
             <a:endParaRPr lang="ko-KR" altLang="en-US"/>
           </a:p>
@@ -2351,7 +2351,7 @@
           <a:p>
             <a:fld id="{B0D44428-6A9F-40D1-A27D-D805992CA982}" type="datetimeFigureOut">
               <a:rPr lang="ko-KR" altLang="en-US" smtClean="0"/>
-              <a:t>2021-10-31</a:t>
+              <a:t>2021-12-07</a:t>
             </a:fld>
             <a:endParaRPr lang="ko-KR" altLang="en-US"/>
           </a:p>
@@ -2564,7 +2564,7 @@
           <a:p>
             <a:fld id="{B0D44428-6A9F-40D1-A27D-D805992CA982}" type="datetimeFigureOut">
               <a:rPr lang="ko-KR" altLang="en-US" smtClean="0"/>
-              <a:t>2021-10-31</a:t>
+              <a:t>2021-12-07</a:t>
             </a:fld>
             <a:endParaRPr lang="ko-KR" altLang="en-US"/>
           </a:p>
@@ -6105,9 +6105,99 @@
           </a:fontRef>
         </p:style>
       </p:cxnSp>
+      <p:sp>
+        <p:nvSpPr>
+          <p:cNvPr id="107" name="TextBox 106"/>
+          <p:cNvSpPr txBox="1"/>
+          <p:nvPr/>
+        </p:nvSpPr>
+        <p:spPr>
+          <a:xfrm>
+            <a:off x="10044332" y="1065922"/>
+            <a:ext cx="1221488" cy="369332"/>
+          </a:xfrm>
+          <a:prstGeom prst="rect">
+            <a:avLst/>
+          </a:prstGeom>
+          <a:noFill/>
+        </p:spPr>
+        <p:txBody>
+          <a:bodyPr wrap="none" rtlCol="0">
+            <a:spAutoFit/>
+          </a:bodyPr>
+          <a:lstStyle/>
+          <a:p>
+            <a:r>
+              <a:rPr lang="en-US" altLang="ko-KR" dirty="0" smtClean="0"/>
+              <a:t>Predictors</a:t>
+            </a:r>
+            <a:endParaRPr lang="ko-KR" altLang="en-US" dirty="0"/>
+          </a:p>
+        </p:txBody>
+      </p:sp>
+      <p:sp>
+        <p:nvSpPr>
+          <p:cNvPr id="108" name="TextBox 107"/>
+          <p:cNvSpPr txBox="1"/>
+          <p:nvPr/>
+        </p:nvSpPr>
+        <p:spPr>
+          <a:xfrm>
+            <a:off x="7118252" y="1250588"/>
+            <a:ext cx="870751" cy="369332"/>
+          </a:xfrm>
+          <a:prstGeom prst="rect">
+            <a:avLst/>
+          </a:prstGeom>
+          <a:noFill/>
+        </p:spPr>
+        <p:txBody>
+          <a:bodyPr wrap="none" rtlCol="0">
+            <a:spAutoFit/>
+          </a:bodyPr>
+          <a:lstStyle/>
+          <a:p>
+            <a:r>
+              <a:rPr lang="en-US" altLang="ko-KR" dirty="0" smtClean="0"/>
+              <a:t>…………</a:t>
+            </a:r>
+            <a:endParaRPr lang="ko-KR" altLang="en-US" dirty="0"/>
+          </a:p>
+        </p:txBody>
+      </p:sp>
+      <p:sp>
+        <p:nvSpPr>
+          <p:cNvPr id="109" name="TextBox 108"/>
+          <p:cNvSpPr txBox="1"/>
+          <p:nvPr/>
+        </p:nvSpPr>
+        <p:spPr>
+          <a:xfrm>
+            <a:off x="6433505" y="3303223"/>
+            <a:ext cx="973343" cy="369332"/>
+          </a:xfrm>
+          <a:prstGeom prst="rect">
+            <a:avLst/>
+          </a:prstGeom>
+          <a:noFill/>
+        </p:spPr>
+        <p:txBody>
+          <a:bodyPr wrap="none" rtlCol="0">
+            <a:spAutoFit/>
+          </a:bodyPr>
+          <a:lstStyle/>
+          <a:p>
+            <a:r>
+              <a:rPr lang="en-US" altLang="ko-KR" dirty="0" smtClean="0"/>
+              <a:t>…………..</a:t>
+            </a:r>
+            <a:endParaRPr lang="ko-KR" altLang="en-US" dirty="0"/>
+          </a:p>
+        </p:txBody>
+      </p:sp>
       <p:pic>
         <p:nvPicPr>
-          <p:cNvPr id="103" name="그림 102"/>
+          <p:cNvPr id="3" name="그림 2"/>
           <p:cNvPicPr>
             <a:picLocks noChangeAspect="1"/>
           </p:cNvPicPr>
@@ -6121,8 +6211,8 @@
         </p:blipFill>
         <p:spPr>
           <a:xfrm>
-            <a:off x="1581579" y="1033978"/>
-            <a:ext cx="571500" cy="571500"/>
+            <a:off x="1564302" y="975780"/>
+            <a:ext cx="590550" cy="638175"/>
           </a:xfrm>
           <a:prstGeom prst="rect">
             <a:avLst/>
@@ -6131,7 +6221,7 @@
       </p:pic>
       <p:pic>
         <p:nvPicPr>
-          <p:cNvPr id="104" name="그림 103"/>
+          <p:cNvPr id="7" name="그림 6"/>
           <p:cNvPicPr>
             <a:picLocks noChangeAspect="1"/>
           </p:cNvPicPr>
@@ -6145,8 +6235,8 @@
         </p:blipFill>
         <p:spPr>
           <a:xfrm>
-            <a:off x="3801500" y="1065922"/>
-            <a:ext cx="552450" cy="533400"/>
+            <a:off x="3795336" y="956379"/>
+            <a:ext cx="571500" cy="647700"/>
           </a:xfrm>
           <a:prstGeom prst="rect">
             <a:avLst/>
@@ -6155,7 +6245,7 @@
       </p:pic>
       <p:pic>
         <p:nvPicPr>
-          <p:cNvPr id="105" name="그림 104"/>
+          <p:cNvPr id="10" name="그림 9"/>
           <p:cNvPicPr>
             <a:picLocks noChangeAspect="1"/>
           </p:cNvPicPr>
@@ -6169,8 +6259,8 @@
         </p:blipFill>
         <p:spPr>
           <a:xfrm>
-            <a:off x="6137271" y="1031692"/>
-            <a:ext cx="533400" cy="571500"/>
+            <a:off x="6113817" y="957639"/>
+            <a:ext cx="571500" cy="647700"/>
           </a:xfrm>
           <a:prstGeom prst="rect">
             <a:avLst/>
@@ -6179,7 +6269,7 @@
       </p:pic>
       <p:pic>
         <p:nvPicPr>
-          <p:cNvPr id="106" name="그림 105"/>
+          <p:cNvPr id="20" name="그림 19"/>
           <p:cNvPicPr>
             <a:picLocks noChangeAspect="1"/>
           </p:cNvPicPr>
@@ -6193,104 +6283,14 @@
         </p:blipFill>
         <p:spPr>
           <a:xfrm>
-            <a:off x="8289149" y="1017404"/>
-            <a:ext cx="514350" cy="600075"/>
+            <a:off x="8260574" y="980508"/>
+            <a:ext cx="571500" cy="628650"/>
           </a:xfrm>
           <a:prstGeom prst="rect">
             <a:avLst/>
           </a:prstGeom>
         </p:spPr>
       </p:pic>
-      <p:sp>
-        <p:nvSpPr>
-          <p:cNvPr id="107" name="TextBox 106"/>
-          <p:cNvSpPr txBox="1"/>
-          <p:nvPr/>
-        </p:nvSpPr>
-        <p:spPr>
-          <a:xfrm>
-            <a:off x="10044332" y="1065922"/>
-            <a:ext cx="1221488" cy="369332"/>
-          </a:xfrm>
-          <a:prstGeom prst="rect">
-            <a:avLst/>
-          </a:prstGeom>
-          <a:noFill/>
-        </p:spPr>
-        <p:txBody>
-          <a:bodyPr wrap="none" rtlCol="0">
-            <a:spAutoFit/>
-          </a:bodyPr>
-          <a:lstStyle/>
-          <a:p>
-            <a:r>
-              <a:rPr lang="en-US" altLang="ko-KR" dirty="0" smtClean="0"/>
-              <a:t>Predictors</a:t>
-            </a:r>
-            <a:endParaRPr lang="ko-KR" altLang="en-US" dirty="0"/>
-          </a:p>
-        </p:txBody>
-      </p:sp>
-      <p:sp>
-        <p:nvSpPr>
-          <p:cNvPr id="108" name="TextBox 107"/>
-          <p:cNvSpPr txBox="1"/>
-          <p:nvPr/>
-        </p:nvSpPr>
-        <p:spPr>
-          <a:xfrm>
-            <a:off x="7118252" y="1250588"/>
-            <a:ext cx="870751" cy="369332"/>
-          </a:xfrm>
-          <a:prstGeom prst="rect">
-            <a:avLst/>
-          </a:prstGeom>
-          <a:noFill/>
-        </p:spPr>
-        <p:txBody>
-          <a:bodyPr wrap="none" rtlCol="0">
-            <a:spAutoFit/>
-          </a:bodyPr>
-          <a:lstStyle/>
-          <a:p>
-            <a:r>
-              <a:rPr lang="en-US" altLang="ko-KR" dirty="0" smtClean="0"/>
-              <a:t>…………</a:t>
-            </a:r>
-            <a:endParaRPr lang="ko-KR" altLang="en-US" dirty="0"/>
-          </a:p>
-        </p:txBody>
-      </p:sp>
-      <p:sp>
-        <p:nvSpPr>
-          <p:cNvPr id="109" name="TextBox 108"/>
-          <p:cNvSpPr txBox="1"/>
-          <p:nvPr/>
-        </p:nvSpPr>
-        <p:spPr>
-          <a:xfrm>
-            <a:off x="6433505" y="3303223"/>
-            <a:ext cx="973343" cy="369332"/>
-          </a:xfrm>
-          <a:prstGeom prst="rect">
-            <a:avLst/>
-          </a:prstGeom>
-          <a:noFill/>
-        </p:spPr>
-        <p:txBody>
-          <a:bodyPr wrap="none" rtlCol="0">
-            <a:spAutoFit/>
-          </a:bodyPr>
-          <a:lstStyle/>
-          <a:p>
-            <a:r>
-              <a:rPr lang="en-US" altLang="ko-KR" dirty="0" smtClean="0"/>
-              <a:t>…………..</a:t>
-            </a:r>
-            <a:endParaRPr lang="ko-KR" altLang="en-US" dirty="0"/>
-          </a:p>
-        </p:txBody>
-      </p:sp>
     </p:spTree>
     <p:extLst>
       <p:ext uri="{BB962C8B-B14F-4D97-AF65-F5344CB8AC3E}">
